--- a/2016-09-14/PowerShell Jobs.pptx
+++ b/2016-09-14/PowerShell Jobs.pptx
@@ -4321,8 +4321,8 @@
         </p:nvSpPr>
         <p:spPr>
           <a:xfrm>
-            <a:off x="3351212" y="6507197"/>
-            <a:ext cx="4724400" cy="338554"/>
+            <a:off x="3503612" y="6334780"/>
+            <a:ext cx="4724400" cy="523220"/>
           </a:xfrm>
           <a:prstGeom prst="rect">
             <a:avLst/>
@@ -4339,7 +4339,13 @@
           <a:lstStyle/>
           <a:p>
             <a:r>
-              <a:rPr lang="en-US" sz="1600" dirty="0">
+              <a:rPr lang="en-US" sz="2800" dirty="0">
+                <a:solidFill>
+                  <a:schemeClr val="bg1">
+                    <a:lumMod val="85000"/>
+                    <a:lumOff val="15000"/>
+                  </a:schemeClr>
+                </a:solidFill>
                 <a:latin typeface="Arial" panose="020B0604020202020204" pitchFamily="34" charset="0"/>
                 <a:cs typeface="Arial" panose="020B0604020202020204" pitchFamily="34" charset="0"/>
               </a:rPr>
